--- a/Scala Sessions/Scala Session 4/Scala Session 4.pptx
+++ b/Scala Sessions/Scala Session 4/Scala Session 4.pptx
@@ -10,8 +10,10 @@
     <p:sldId id="262" r:id="rId4"/>
     <p:sldId id="263" r:id="rId5"/>
     <p:sldId id="265" r:id="rId6"/>
-    <p:sldId id="266" r:id="rId7"/>
-    <p:sldId id="267" r:id="rId8"/>
+    <p:sldId id="268" r:id="rId7"/>
+    <p:sldId id="269" r:id="rId8"/>
+    <p:sldId id="266" r:id="rId9"/>
+    <p:sldId id="267" r:id="rId10"/>
   </p:sldIdLst>
   <p:sldSz cx="12192000" cy="6858000"/>
   <p:notesSz cx="6858000" cy="9144000"/>
@@ -2969,7 +2971,7 @@
           <a:p>
             <a:fld id="{EA0C0817-A112-4847-8014-A94B7D2A4EA3}" type="datetime1">
               <a:rPr lang="en-US" smtClean="0"/>
-              <a:t>2020-02-26</a:t>
+              <a:t>2020-03-03</a:t>
             </a:fld>
             <a:endParaRPr lang="en-US" dirty="0"/>
           </a:p>
@@ -3171,7 +3173,7 @@
           <a:p>
             <a:fld id="{134F40B7-36AB-4376-BE14-EF7004D79BB9}" type="datetime1">
               <a:rPr lang="en-US" smtClean="0"/>
-              <a:t>2020-02-26</a:t>
+              <a:t>2020-03-03</a:t>
             </a:fld>
             <a:endParaRPr lang="en-US"/>
           </a:p>
@@ -3351,7 +3353,7 @@
           <a:p>
             <a:fld id="{FF87CAB8-DCAE-46A5-AADA-B3FAD11A54E0}" type="datetime1">
               <a:rPr lang="en-US" smtClean="0"/>
-              <a:t>2020-02-26</a:t>
+              <a:t>2020-03-03</a:t>
             </a:fld>
             <a:endParaRPr lang="en-US"/>
           </a:p>
@@ -3521,7 +3523,7 @@
           <a:p>
             <a:fld id="{7332B432-ACDA-4023-A761-2BAB76577B62}" type="datetime1">
               <a:rPr lang="en-US" smtClean="0"/>
-              <a:t>2020-02-26</a:t>
+              <a:t>2020-03-03</a:t>
             </a:fld>
             <a:endParaRPr lang="en-US"/>
           </a:p>
@@ -4120,7 +4122,7 @@
           <a:p>
             <a:fld id="{D9C646AA-F36E-4540-911D-FFFC0A0EF24A}" type="datetime1">
               <a:rPr lang="en-US" smtClean="0"/>
-              <a:t>2020-02-26</a:t>
+              <a:t>2020-03-03</a:t>
             </a:fld>
             <a:endParaRPr lang="en-US" dirty="0"/>
           </a:p>
@@ -4440,7 +4442,7 @@
           <a:p>
             <a:fld id="{69186D26-FA5F-4637-B602-B7C2DC34CFD4}" type="datetime1">
               <a:rPr lang="en-US" smtClean="0"/>
-              <a:t>2020-02-26</a:t>
+              <a:t>2020-03-03</a:t>
             </a:fld>
             <a:endParaRPr lang="en-US"/>
           </a:p>
@@ -4877,7 +4879,7 @@
           <a:p>
             <a:fld id="{8A7F15D8-96D1-4781-BC50-CA8A088B2FE4}" type="datetime1">
               <a:rPr lang="en-US" smtClean="0"/>
-              <a:t>2020-02-26</a:t>
+              <a:t>2020-03-03</a:t>
             </a:fld>
             <a:endParaRPr lang="en-US"/>
           </a:p>
@@ -4995,7 +4997,7 @@
           <a:p>
             <a:fld id="{F9A96C99-B8F8-4528-BD05-0E16E943DC09}" type="datetime1">
               <a:rPr lang="en-US" smtClean="0"/>
-              <a:t>2020-02-26</a:t>
+              <a:t>2020-03-03</a:t>
             </a:fld>
             <a:endParaRPr lang="en-US"/>
           </a:p>
@@ -5090,7 +5092,7 @@
           <a:p>
             <a:fld id="{03636942-C211-4B28-8DBD-C953E00AF71B}" type="datetime1">
               <a:rPr lang="en-US" smtClean="0"/>
-              <a:t>2020-02-26</a:t>
+              <a:t>2020-03-03</a:t>
             </a:fld>
             <a:endParaRPr lang="en-US"/>
           </a:p>
@@ -5507,7 +5509,7 @@
           <a:p>
             <a:fld id="{7E8D12A6-918A-48BD-8CB9-CA713993B0EA}" type="datetime1">
               <a:rPr lang="en-US" smtClean="0"/>
-              <a:t>2020-02-26</a:t>
+              <a:t>2020-03-03</a:t>
             </a:fld>
             <a:endParaRPr lang="en-US"/>
           </a:p>
@@ -5769,7 +5771,7 @@
             <a:fld id="{E778CE86-875F-4587-BCF6-FA054AFC0D53}" type="datetime1">
               <a:rPr lang="en-US" smtClean="0"/>
               <a:pPr/>
-              <a:t>2020-02-26</a:t>
+              <a:t>2020-03-03</a:t>
             </a:fld>
             <a:endParaRPr lang="en-US" dirty="0"/>
           </a:p>
@@ -6285,7 +6287,7 @@
           <a:p>
             <a:fld id="{F6FA2B21-3FCD-4721-B95C-427943F61125}" type="datetime1">
               <a:rPr lang="en-US" smtClean="0"/>
-              <a:t>2020-02-26</a:t>
+              <a:t>2020-03-03</a:t>
             </a:fld>
             <a:endParaRPr lang="en-US"/>
           </a:p>
@@ -8603,7 +8605,7 @@
         <p:spPr>
           <a:xfrm>
             <a:off x="3713121" y="4248525"/>
-            <a:ext cx="5258171" cy="1477328"/>
+            <a:ext cx="5258171" cy="923330"/>
           </a:xfrm>
           <a:prstGeom prst="rect">
             <a:avLst/>
@@ -8747,39 +8749,6 @@
             <a:r>
               <a:rPr lang="en-GB" dirty="0"/>
               <a:t>Animal</a:t>
-            </a:r>
-          </a:p>
-          <a:p>
-            <a:endParaRPr lang="en-GB" dirty="0"/>
-          </a:p>
-          <a:p>
-            <a:r>
-              <a:rPr lang="en-GB" b="1" dirty="0">
-                <a:solidFill>
-                  <a:srgbClr val="FFC000"/>
-                </a:solidFill>
-              </a:rPr>
-              <a:t>case</a:t>
-            </a:r>
-            <a:r>
-              <a:rPr lang="en-GB" b="1" dirty="0"/>
-              <a:t> </a:t>
-            </a:r>
-            <a:r>
-              <a:rPr lang="en-GB" b="1" dirty="0">
-                <a:solidFill>
-                  <a:srgbClr val="FFC000"/>
-                </a:solidFill>
-              </a:rPr>
-              <a:t>class</a:t>
-            </a:r>
-            <a:r>
-              <a:rPr lang="en-GB" b="1" dirty="0"/>
-              <a:t> </a:t>
-            </a:r>
-            <a:r>
-              <a:rPr lang="en-GB" dirty="0"/>
-              <a:t>Fly(bool: Bool)</a:t>
             </a:r>
           </a:p>
         </p:txBody>
@@ -8833,6 +8802,1298 @@
 </file>
 
 <file path=ppt/slides/slide6.xml><?xml version="1.0" encoding="utf-8"?>
+<p:sld xmlns:a="http://schemas.openxmlformats.org/drawingml/2006/main" xmlns:r="http://schemas.openxmlformats.org/officeDocument/2006/relationships" xmlns:p="http://schemas.openxmlformats.org/presentationml/2006/main">
+  <p:cSld>
+    <p:spTree>
+      <p:nvGrpSpPr>
+        <p:cNvPr id="1" name=""/>
+        <p:cNvGrpSpPr/>
+        <p:nvPr/>
+      </p:nvGrpSpPr>
+      <p:grpSpPr>
+        <a:xfrm>
+          <a:off x="0" y="0"/>
+          <a:ext cx="0" cy="0"/>
+          <a:chOff x="0" y="0"/>
+          <a:chExt cx="0" cy="0"/>
+        </a:xfrm>
+      </p:grpSpPr>
+      <p:sp>
+        <p:nvSpPr>
+          <p:cNvPr id="2" name="Title 1">
+            <a:extLst>
+              <a:ext uri="{FF2B5EF4-FFF2-40B4-BE49-F238E27FC236}">
+                <a16:creationId xmlns:a16="http://schemas.microsoft.com/office/drawing/2014/main" id="{1F1C723E-ACFD-4E47-A981-C017695D9376}"/>
+              </a:ext>
+            </a:extLst>
+          </p:cNvPr>
+          <p:cNvSpPr>
+            <a:spLocks noGrp="1"/>
+          </p:cNvSpPr>
+          <p:nvPr>
+            <p:ph type="title"/>
+          </p:nvPr>
+        </p:nvSpPr>
+        <p:spPr>
+          <a:xfrm>
+            <a:off x="1066800" y="642594"/>
+            <a:ext cx="10058400" cy="1371600"/>
+          </a:xfrm>
+        </p:spPr>
+        <p:txBody>
+          <a:bodyPr/>
+          <a:lstStyle/>
+          <a:p>
+            <a:r>
+              <a:rPr lang="en-US" b="1" i="1" dirty="0"/>
+              <a:t>Generic Programming</a:t>
+            </a:r>
+          </a:p>
+        </p:txBody>
+      </p:sp>
+      <p:sp>
+        <p:nvSpPr>
+          <p:cNvPr id="3" name="Content Placeholder 2">
+            <a:extLst>
+              <a:ext uri="{FF2B5EF4-FFF2-40B4-BE49-F238E27FC236}">
+                <a16:creationId xmlns:a16="http://schemas.microsoft.com/office/drawing/2014/main" id="{0BE68002-E244-4EE6-9068-6C874C9D1FE6}"/>
+              </a:ext>
+            </a:extLst>
+          </p:cNvPr>
+          <p:cNvSpPr>
+            <a:spLocks noGrp="1"/>
+          </p:cNvSpPr>
+          <p:nvPr>
+            <p:ph idx="1"/>
+          </p:nvPr>
+        </p:nvSpPr>
+        <p:spPr>
+          <a:xfrm>
+            <a:off x="1066800" y="2189747"/>
+            <a:ext cx="10058400" cy="1900990"/>
+          </a:xfrm>
+        </p:spPr>
+        <p:txBody>
+          <a:bodyPr>
+            <a:normAutofit/>
+          </a:bodyPr>
+          <a:lstStyle/>
+          <a:p>
+            <a:pPr marL="0" indent="0">
+              <a:buNone/>
+            </a:pPr>
+            <a:endParaRPr lang="en-GB" b="1" dirty="0"/>
+          </a:p>
+          <a:p>
+            <a:r>
+              <a:rPr lang="en-GB" sz="2000" b="1" dirty="0"/>
+              <a:t>Generic classes are classes which take a type as a parameter. </a:t>
+            </a:r>
+            <a:endParaRPr lang="en-US" sz="2000" b="1" dirty="0"/>
+          </a:p>
+          <a:p>
+            <a:pPr marL="0" indent="0">
+              <a:buNone/>
+            </a:pPr>
+            <a:r>
+              <a:rPr lang="en-US" sz="1800" b="1" dirty="0">
+                <a:solidFill>
+                  <a:srgbClr val="FF0000"/>
+                </a:solidFill>
+              </a:rPr>
+              <a:t>	case</a:t>
+            </a:r>
+            <a:r>
+              <a:rPr lang="en-US" sz="1800" b="1" dirty="0">
+                <a:solidFill>
+                  <a:srgbClr val="FFC000"/>
+                </a:solidFill>
+              </a:rPr>
+              <a:t> class</a:t>
+            </a:r>
+            <a:r>
+              <a:rPr lang="en-US" sz="1800" b="1" dirty="0"/>
+              <a:t>  GenericClass[</a:t>
+            </a:r>
+            <a:r>
+              <a:rPr lang="en-US" sz="1800" b="1" dirty="0">
+                <a:solidFill>
+                  <a:srgbClr val="92D050"/>
+                </a:solidFill>
+              </a:rPr>
+              <a:t>A</a:t>
+            </a:r>
+            <a:r>
+              <a:rPr lang="en-US" sz="1800" b="1" dirty="0"/>
+              <a:t>,</a:t>
+            </a:r>
+            <a:r>
+              <a:rPr lang="en-US" sz="1800" b="1" dirty="0">
+                <a:solidFill>
+                  <a:schemeClr val="accent2">
+                    <a:lumMod val="75000"/>
+                  </a:schemeClr>
+                </a:solidFill>
+              </a:rPr>
+              <a:t>B</a:t>
+            </a:r>
+            <a:r>
+              <a:rPr lang="en-US" sz="1800" b="1" dirty="0"/>
+              <a:t>,</a:t>
+            </a:r>
+            <a:r>
+              <a:rPr lang="en-US" sz="1800" b="1" dirty="0">
+                <a:solidFill>
+                  <a:srgbClr val="3488A0"/>
+                </a:solidFill>
+              </a:rPr>
+              <a:t>C</a:t>
+            </a:r>
+            <a:r>
+              <a:rPr lang="en-US" sz="1800" b="1" dirty="0"/>
+              <a:t>](value1: </a:t>
+            </a:r>
+            <a:r>
+              <a:rPr lang="en-US" sz="1800" b="1" dirty="0">
+                <a:solidFill>
+                  <a:srgbClr val="B8D233"/>
+                </a:solidFill>
+              </a:rPr>
+              <a:t>A</a:t>
+            </a:r>
+            <a:r>
+              <a:rPr lang="en-US" sz="1800" b="1" dirty="0"/>
+              <a:t>, value2: </a:t>
+            </a:r>
+            <a:r>
+              <a:rPr lang="en-US" sz="1800" b="1" dirty="0">
+                <a:solidFill>
+                  <a:srgbClr val="C00000"/>
+                </a:solidFill>
+              </a:rPr>
+              <a:t>B</a:t>
+            </a:r>
+            <a:r>
+              <a:rPr lang="en-US" sz="1800" b="1" dirty="0"/>
+              <a:t>, </a:t>
+            </a:r>
+            <a:r>
+              <a:rPr lang="en-US" sz="1800" b="1" dirty="0" err="1"/>
+              <a:t>valueC</a:t>
+            </a:r>
+            <a:r>
+              <a:rPr lang="en-US" sz="1800" b="1" dirty="0"/>
+              <a:t>: </a:t>
+            </a:r>
+            <a:r>
+              <a:rPr lang="en-US" sz="1800" b="1" dirty="0">
+                <a:solidFill>
+                  <a:srgbClr val="3488A0"/>
+                </a:solidFill>
+              </a:rPr>
+              <a:t>C</a:t>
+            </a:r>
+            <a:r>
+              <a:rPr lang="en-US" sz="1800" b="1" dirty="0"/>
+              <a:t>) </a:t>
+            </a:r>
+          </a:p>
+          <a:p>
+            <a:pPr marL="0" indent="0">
+              <a:buNone/>
+            </a:pPr>
+            <a:r>
+              <a:rPr lang="en-US" sz="1800" b="1" dirty="0"/>
+              <a:t>	</a:t>
+            </a:r>
+            <a:r>
+              <a:rPr lang="en-US" sz="1800" b="1" dirty="0">
+                <a:solidFill>
+                  <a:srgbClr val="FF0000"/>
+                </a:solidFill>
+              </a:rPr>
+              <a:t>case</a:t>
+            </a:r>
+            <a:r>
+              <a:rPr lang="en-US" sz="1800" b="1" dirty="0">
+                <a:solidFill>
+                  <a:srgbClr val="FFC000"/>
+                </a:solidFill>
+              </a:rPr>
+              <a:t> class</a:t>
+            </a:r>
+            <a:r>
+              <a:rPr lang="en-US" sz="1800" b="1" dirty="0"/>
+              <a:t>  GenericClass[</a:t>
+            </a:r>
+            <a:r>
+              <a:rPr lang="en-US" sz="1800" b="1" dirty="0" err="1">
+                <a:solidFill>
+                  <a:srgbClr val="92D050"/>
+                </a:solidFill>
+              </a:rPr>
+              <a:t>Int</a:t>
+            </a:r>
+            <a:r>
+              <a:rPr lang="en-US" sz="1800" b="1" dirty="0" err="1"/>
+              <a:t>,</a:t>
+            </a:r>
+            <a:r>
+              <a:rPr lang="en-US" sz="1800" b="1" dirty="0" err="1">
+                <a:solidFill>
+                  <a:schemeClr val="accent2">
+                    <a:lumMod val="75000"/>
+                  </a:schemeClr>
+                </a:solidFill>
+              </a:rPr>
+              <a:t>String</a:t>
+            </a:r>
+            <a:r>
+              <a:rPr lang="en-US" sz="1800" b="1" dirty="0" err="1"/>
+              <a:t>,</a:t>
+            </a:r>
+            <a:r>
+              <a:rPr lang="en-US" sz="1800" b="1" dirty="0" err="1">
+                <a:solidFill>
+                  <a:srgbClr val="3488A0"/>
+                </a:solidFill>
+              </a:rPr>
+              <a:t>Bool</a:t>
+            </a:r>
+            <a:r>
+              <a:rPr lang="en-US" sz="1800" b="1" dirty="0"/>
+              <a:t>](value1: </a:t>
+            </a:r>
+            <a:r>
+              <a:rPr lang="en-US" sz="1800" b="1" dirty="0">
+                <a:solidFill>
+                  <a:srgbClr val="B8D233"/>
+                </a:solidFill>
+              </a:rPr>
+              <a:t>Int</a:t>
+            </a:r>
+            <a:r>
+              <a:rPr lang="en-US" sz="1800" b="1" dirty="0"/>
+              <a:t>, value2: </a:t>
+            </a:r>
+            <a:r>
+              <a:rPr lang="en-US" sz="1800" b="1" dirty="0">
+                <a:solidFill>
+                  <a:srgbClr val="C00000"/>
+                </a:solidFill>
+              </a:rPr>
+              <a:t>String</a:t>
+            </a:r>
+            <a:r>
+              <a:rPr lang="en-US" sz="1800" b="1" dirty="0"/>
+              <a:t>, </a:t>
+            </a:r>
+            <a:r>
+              <a:rPr lang="en-US" sz="1800" b="1" dirty="0" err="1"/>
+              <a:t>valueC</a:t>
+            </a:r>
+            <a:r>
+              <a:rPr lang="en-US" sz="1800" b="1" dirty="0"/>
+              <a:t>: </a:t>
+            </a:r>
+            <a:r>
+              <a:rPr lang="en-US" sz="1800" b="1" dirty="0">
+                <a:solidFill>
+                  <a:srgbClr val="3488A0"/>
+                </a:solidFill>
+              </a:rPr>
+              <a:t>Bool</a:t>
+            </a:r>
+            <a:r>
+              <a:rPr lang="en-US" sz="1800" b="1" dirty="0"/>
+              <a:t>) </a:t>
+            </a:r>
+          </a:p>
+          <a:p>
+            <a:pPr marL="0" indent="0">
+              <a:buNone/>
+            </a:pPr>
+            <a:endParaRPr lang="en-US" sz="1800" b="1" dirty="0"/>
+          </a:p>
+          <a:p>
+            <a:endParaRPr lang="en-US" dirty="0"/>
+          </a:p>
+          <a:p>
+            <a:endParaRPr lang="en-US" dirty="0"/>
+          </a:p>
+        </p:txBody>
+      </p:sp>
+      <p:sp>
+        <p:nvSpPr>
+          <p:cNvPr id="4" name="TextBox 3">
+            <a:extLst>
+              <a:ext uri="{FF2B5EF4-FFF2-40B4-BE49-F238E27FC236}">
+                <a16:creationId xmlns:a16="http://schemas.microsoft.com/office/drawing/2014/main" id="{FA598319-E593-47EA-8FE6-683E9B4BA470}"/>
+              </a:ext>
+            </a:extLst>
+          </p:cNvPr>
+          <p:cNvSpPr txBox="1"/>
+          <p:nvPr/>
+        </p:nvSpPr>
+        <p:spPr>
+          <a:xfrm>
+            <a:off x="1066800" y="4090737"/>
+            <a:ext cx="8722895" cy="2306785"/>
+          </a:xfrm>
+          <a:prstGeom prst="rect">
+            <a:avLst/>
+          </a:prstGeom>
+          <a:noFill/>
+        </p:spPr>
+        <p:txBody>
+          <a:bodyPr wrap="square" rtlCol="0">
+            <a:spAutoFit/>
+          </a:bodyPr>
+          <a:lstStyle/>
+          <a:p>
+            <a:pPr marL="182880" lvl="0" indent="-182880">
+              <a:lnSpc>
+                <a:spcPct val="110000"/>
+              </a:lnSpc>
+              <a:spcBef>
+                <a:spcPts val="900"/>
+              </a:spcBef>
+              <a:buClr>
+                <a:prstClr val="black">
+                  <a:lumMod val="85000"/>
+                  <a:lumOff val="15000"/>
+                </a:prstClr>
+              </a:buClr>
+              <a:buFont typeface="Garamond" pitchFamily="18" charset="0"/>
+              <a:buChar char="◦"/>
+            </a:pPr>
+            <a:r>
+              <a:rPr lang="en-GB" sz="2000" b="1" dirty="0">
+                <a:solidFill>
+                  <a:prstClr val="black"/>
+                </a:solidFill>
+              </a:rPr>
+              <a:t>Methods in Scala can be parameterized by type as well as value. The syntax is similar to that of generic classes.</a:t>
+            </a:r>
+            <a:endParaRPr lang="en-US" sz="2000" b="1" dirty="0">
+              <a:solidFill>
+                <a:prstClr val="black"/>
+              </a:solidFill>
+            </a:endParaRPr>
+          </a:p>
+          <a:p>
+            <a:pPr lvl="0">
+              <a:lnSpc>
+                <a:spcPct val="110000"/>
+              </a:lnSpc>
+              <a:spcBef>
+                <a:spcPts val="900"/>
+              </a:spcBef>
+              <a:buClr>
+                <a:prstClr val="black">
+                  <a:lumMod val="85000"/>
+                  <a:lumOff val="15000"/>
+                </a:prstClr>
+              </a:buClr>
+            </a:pPr>
+            <a:r>
+              <a:rPr lang="en-US" b="1" dirty="0">
+                <a:solidFill>
+                  <a:srgbClr val="FFC000"/>
+                </a:solidFill>
+              </a:rPr>
+              <a:t>	def</a:t>
+            </a:r>
+            <a:r>
+              <a:rPr lang="en-US" b="1" dirty="0">
+                <a:solidFill>
+                  <a:prstClr val="black"/>
+                </a:solidFill>
+              </a:rPr>
+              <a:t> </a:t>
+            </a:r>
+            <a:r>
+              <a:rPr lang="en-US" b="1" dirty="0" err="1">
+                <a:solidFill>
+                  <a:prstClr val="black"/>
+                </a:solidFill>
+              </a:rPr>
+              <a:t>genericFunciton</a:t>
+            </a:r>
+            <a:r>
+              <a:rPr lang="en-US" b="1" dirty="0">
+                <a:solidFill>
+                  <a:prstClr val="black"/>
+                </a:solidFill>
+              </a:rPr>
+              <a:t>[</a:t>
+            </a:r>
+            <a:r>
+              <a:rPr lang="en-US" b="1" dirty="0">
+                <a:solidFill>
+                  <a:srgbClr val="FF0000"/>
+                </a:solidFill>
+              </a:rPr>
+              <a:t>A</a:t>
+            </a:r>
+            <a:r>
+              <a:rPr lang="en-US" b="1" dirty="0">
+                <a:solidFill>
+                  <a:prstClr val="black"/>
+                </a:solidFill>
+              </a:rPr>
+              <a:t>] (value: </a:t>
+            </a:r>
+            <a:r>
+              <a:rPr lang="en-US" b="1" dirty="0">
+                <a:solidFill>
+                  <a:srgbClr val="FF0000"/>
+                </a:solidFill>
+              </a:rPr>
+              <a:t>A</a:t>
+            </a:r>
+            <a:r>
+              <a:rPr lang="en-US" b="1" dirty="0">
+                <a:solidFill>
+                  <a:prstClr val="black"/>
+                </a:solidFill>
+              </a:rPr>
+              <a:t>): </a:t>
+            </a:r>
+            <a:r>
+              <a:rPr lang="en-US" b="1" dirty="0">
+                <a:solidFill>
+                  <a:srgbClr val="FF0000"/>
+                </a:solidFill>
+              </a:rPr>
+              <a:t>A</a:t>
+            </a:r>
+            <a:r>
+              <a:rPr lang="en-US" b="1" dirty="0">
+                <a:solidFill>
+                  <a:prstClr val="black"/>
+                </a:solidFill>
+              </a:rPr>
+              <a:t> = </a:t>
+            </a:r>
+            <a:r>
+              <a:rPr lang="en-US" b="1" dirty="0">
+                <a:solidFill>
+                  <a:srgbClr val="505046">
+                    <a:lumMod val="60000"/>
+                    <a:lumOff val="40000"/>
+                  </a:srgbClr>
+                </a:solidFill>
+              </a:rPr>
+              <a:t>???</a:t>
+            </a:r>
+          </a:p>
+          <a:p>
+            <a:pPr>
+              <a:lnSpc>
+                <a:spcPct val="110000"/>
+              </a:lnSpc>
+              <a:spcBef>
+                <a:spcPts val="900"/>
+              </a:spcBef>
+              <a:buClr>
+                <a:prstClr val="black">
+                  <a:lumMod val="85000"/>
+                  <a:lumOff val="15000"/>
+                </a:prstClr>
+              </a:buClr>
+            </a:pPr>
+            <a:r>
+              <a:rPr lang="en-US" b="1" dirty="0">
+                <a:solidFill>
+                  <a:srgbClr val="505046">
+                    <a:lumMod val="60000"/>
+                    <a:lumOff val="40000"/>
+                  </a:srgbClr>
+                </a:solidFill>
+              </a:rPr>
+              <a:t>	</a:t>
+            </a:r>
+            <a:r>
+              <a:rPr lang="en-US" b="1" dirty="0">
+                <a:solidFill>
+                  <a:srgbClr val="FFC000"/>
+                </a:solidFill>
+              </a:rPr>
+              <a:t>def</a:t>
+            </a:r>
+            <a:r>
+              <a:rPr lang="en-US" b="1" dirty="0">
+                <a:solidFill>
+                  <a:prstClr val="black"/>
+                </a:solidFill>
+              </a:rPr>
+              <a:t> </a:t>
+            </a:r>
+            <a:r>
+              <a:rPr lang="en-US" b="1" dirty="0" err="1">
+                <a:solidFill>
+                  <a:prstClr val="black"/>
+                </a:solidFill>
+              </a:rPr>
+              <a:t>genericFunciton</a:t>
+            </a:r>
+            <a:r>
+              <a:rPr lang="en-US" b="1" dirty="0">
+                <a:solidFill>
+                  <a:prstClr val="black"/>
+                </a:solidFill>
+              </a:rPr>
+              <a:t>[</a:t>
+            </a:r>
+            <a:r>
+              <a:rPr lang="en-US" b="1" dirty="0">
+                <a:solidFill>
+                  <a:srgbClr val="FF0000"/>
+                </a:solidFill>
+              </a:rPr>
+              <a:t>Animal</a:t>
+            </a:r>
+            <a:r>
+              <a:rPr lang="en-US" b="1" dirty="0">
+                <a:solidFill>
+                  <a:prstClr val="black"/>
+                </a:solidFill>
+              </a:rPr>
+              <a:t>] (value: </a:t>
+            </a:r>
+            <a:r>
+              <a:rPr lang="en-US" b="1" dirty="0">
+                <a:solidFill>
+                  <a:srgbClr val="FF0000"/>
+                </a:solidFill>
+              </a:rPr>
+              <a:t>Animal</a:t>
+            </a:r>
+            <a:r>
+              <a:rPr lang="en-US" b="1" dirty="0">
+                <a:solidFill>
+                  <a:prstClr val="black"/>
+                </a:solidFill>
+              </a:rPr>
+              <a:t>): </a:t>
+            </a:r>
+            <a:r>
+              <a:rPr lang="en-US" b="1" dirty="0">
+                <a:solidFill>
+                  <a:srgbClr val="FF0000"/>
+                </a:solidFill>
+              </a:rPr>
+              <a:t>Animal</a:t>
+            </a:r>
+            <a:r>
+              <a:rPr lang="en-US" b="1" dirty="0">
+                <a:solidFill>
+                  <a:prstClr val="black"/>
+                </a:solidFill>
+              </a:rPr>
+              <a:t> = </a:t>
+            </a:r>
+            <a:r>
+              <a:rPr lang="en-US" b="1" dirty="0">
+                <a:solidFill>
+                  <a:srgbClr val="505046">
+                    <a:lumMod val="60000"/>
+                    <a:lumOff val="40000"/>
+                  </a:srgbClr>
+                </a:solidFill>
+              </a:rPr>
+              <a:t>???</a:t>
+            </a:r>
+          </a:p>
+          <a:p>
+            <a:pPr lvl="0">
+              <a:lnSpc>
+                <a:spcPct val="110000"/>
+              </a:lnSpc>
+              <a:spcBef>
+                <a:spcPts val="900"/>
+              </a:spcBef>
+              <a:buClr>
+                <a:prstClr val="black">
+                  <a:lumMod val="85000"/>
+                  <a:lumOff val="15000"/>
+                </a:prstClr>
+              </a:buClr>
+            </a:pPr>
+            <a:endParaRPr lang="en-US" b="1" dirty="0">
+              <a:solidFill>
+                <a:srgbClr val="505046">
+                  <a:lumMod val="60000"/>
+                  <a:lumOff val="40000"/>
+                </a:srgbClr>
+              </a:solidFill>
+            </a:endParaRPr>
+          </a:p>
+          <a:p>
+            <a:endParaRPr lang="en-US" dirty="0"/>
+          </a:p>
+        </p:txBody>
+      </p:sp>
+    </p:spTree>
+    <p:extLst>
+      <p:ext uri="{BB962C8B-B14F-4D97-AF65-F5344CB8AC3E}">
+        <p14:creationId xmlns:p14="http://schemas.microsoft.com/office/powerpoint/2010/main" val="2229977671"/>
+      </p:ext>
+    </p:extLst>
+  </p:cSld>
+  <p:clrMapOvr>
+    <a:masterClrMapping/>
+  </p:clrMapOvr>
+</p:sld>
+</file>
+
+<file path=ppt/slides/slide7.xml><?xml version="1.0" encoding="utf-8"?>
+<p:sld xmlns:a="http://schemas.openxmlformats.org/drawingml/2006/main" xmlns:r="http://schemas.openxmlformats.org/officeDocument/2006/relationships" xmlns:p="http://schemas.openxmlformats.org/presentationml/2006/main">
+  <p:cSld>
+    <p:spTree>
+      <p:nvGrpSpPr>
+        <p:cNvPr id="1" name=""/>
+        <p:cNvGrpSpPr/>
+        <p:nvPr/>
+      </p:nvGrpSpPr>
+      <p:grpSpPr>
+        <a:xfrm>
+          <a:off x="0" y="0"/>
+          <a:ext cx="0" cy="0"/>
+          <a:chOff x="0" y="0"/>
+          <a:chExt cx="0" cy="0"/>
+        </a:xfrm>
+      </p:grpSpPr>
+      <p:sp>
+        <p:nvSpPr>
+          <p:cNvPr id="2" name="Title 1">
+            <a:extLst>
+              <a:ext uri="{FF2B5EF4-FFF2-40B4-BE49-F238E27FC236}">
+                <a16:creationId xmlns:a16="http://schemas.microsoft.com/office/drawing/2014/main" id="{083FBF26-D5C4-4E2F-9147-43FA95409326}"/>
+              </a:ext>
+            </a:extLst>
+          </p:cNvPr>
+          <p:cNvSpPr>
+            <a:spLocks noGrp="1"/>
+          </p:cNvSpPr>
+          <p:nvPr>
+            <p:ph type="title"/>
+          </p:nvPr>
+        </p:nvSpPr>
+        <p:spPr/>
+        <p:txBody>
+          <a:bodyPr/>
+          <a:lstStyle/>
+          <a:p>
+            <a:r>
+              <a:rPr lang="en-US" b="1" dirty="0"/>
+              <a:t>Companion Object </a:t>
+            </a:r>
+            <a:r>
+              <a:rPr lang="en-US" b="1" dirty="0">
+                <a:solidFill>
+                  <a:srgbClr val="00B050"/>
+                </a:solidFill>
+                <a:sym typeface="Wingdings" panose="05000000000000000000" pitchFamily="2" charset="2"/>
+              </a:rPr>
+              <a:t></a:t>
+            </a:r>
+            <a:endParaRPr lang="en-US" b="1" dirty="0">
+              <a:solidFill>
+                <a:srgbClr val="00B050"/>
+              </a:solidFill>
+            </a:endParaRPr>
+          </a:p>
+        </p:txBody>
+      </p:sp>
+      <p:sp>
+        <p:nvSpPr>
+          <p:cNvPr id="3" name="Content Placeholder 2">
+            <a:extLst>
+              <a:ext uri="{FF2B5EF4-FFF2-40B4-BE49-F238E27FC236}">
+                <a16:creationId xmlns:a16="http://schemas.microsoft.com/office/drawing/2014/main" id="{75673C13-157A-42DB-8EEB-4DC95C5C19DE}"/>
+              </a:ext>
+            </a:extLst>
+          </p:cNvPr>
+          <p:cNvSpPr>
+            <a:spLocks noGrp="1"/>
+          </p:cNvSpPr>
+          <p:nvPr>
+            <p:ph idx="1"/>
+          </p:nvPr>
+        </p:nvSpPr>
+        <p:spPr>
+          <a:xfrm>
+            <a:off x="1055615" y="5297874"/>
+            <a:ext cx="10058400" cy="1013060"/>
+          </a:xfrm>
+        </p:spPr>
+        <p:txBody>
+          <a:bodyPr>
+            <a:normAutofit fontScale="85000" lnSpcReduction="20000"/>
+          </a:bodyPr>
+          <a:lstStyle/>
+          <a:p>
+            <a:r>
+              <a:rPr lang="en-US" sz="1900" dirty="0"/>
+              <a:t>An object in Scala is a class with only </a:t>
+            </a:r>
+            <a:r>
+              <a:rPr lang="en-US" sz="1900" dirty="0">
+                <a:solidFill>
+                  <a:srgbClr val="C00000"/>
+                </a:solidFill>
+              </a:rPr>
+              <a:t>one instance</a:t>
+            </a:r>
+            <a:r>
+              <a:rPr lang="en-US" sz="1900" i="1" dirty="0"/>
+              <a:t>. (Java Singleton Pattern)</a:t>
+            </a:r>
+          </a:p>
+          <a:p>
+            <a:pPr marL="274320" lvl="1" indent="0">
+              <a:buNone/>
+            </a:pPr>
+            <a:r>
+              <a:rPr lang="en-US" sz="1900" b="1" i="1" dirty="0"/>
+              <a:t>	</a:t>
+            </a:r>
+            <a:r>
+              <a:rPr lang="en-US" sz="1900" b="1" i="1" dirty="0">
+                <a:solidFill>
+                  <a:srgbClr val="FFC000"/>
+                </a:solidFill>
+              </a:rPr>
+              <a:t>object</a:t>
+            </a:r>
+            <a:r>
+              <a:rPr lang="en-US" sz="1900" b="1" i="1" dirty="0"/>
+              <a:t> OneInstance { </a:t>
+            </a:r>
+            <a:r>
+              <a:rPr lang="en-US" sz="1900" b="1" i="1" dirty="0">
+                <a:solidFill>
+                  <a:schemeClr val="tx2">
+                    <a:lumMod val="60000"/>
+                    <a:lumOff val="40000"/>
+                  </a:schemeClr>
+                </a:solidFill>
+              </a:rPr>
+              <a:t>val</a:t>
+            </a:r>
+            <a:r>
+              <a:rPr lang="en-US" sz="1900" b="1" i="1" dirty="0"/>
+              <a:t> value: </a:t>
+            </a:r>
+            <a:r>
+              <a:rPr lang="en-US" sz="1900" b="1" i="1" dirty="0">
+                <a:solidFill>
+                  <a:schemeClr val="accent1"/>
+                </a:solidFill>
+              </a:rPr>
+              <a:t>Int</a:t>
+            </a:r>
+            <a:r>
+              <a:rPr lang="en-US" sz="1900" b="1" i="1" dirty="0"/>
+              <a:t> = </a:t>
+            </a:r>
+            <a:r>
+              <a:rPr lang="en-US" sz="1900" b="1" i="1" dirty="0">
+                <a:solidFill>
+                  <a:schemeClr val="accent5">
+                    <a:lumMod val="50000"/>
+                  </a:schemeClr>
+                </a:solidFill>
+              </a:rPr>
+              <a:t>3</a:t>
+            </a:r>
+            <a:r>
+              <a:rPr lang="en-US" sz="1900" b="1" i="1" dirty="0"/>
+              <a:t> }</a:t>
+            </a:r>
+          </a:p>
+          <a:p>
+            <a:pPr marL="274320" lvl="1" indent="0">
+              <a:buNone/>
+            </a:pPr>
+            <a:r>
+              <a:rPr lang="en-US" sz="1900" b="1" i="1" dirty="0"/>
+              <a:t>	</a:t>
+            </a:r>
+            <a:r>
+              <a:rPr lang="en-US" sz="1900" b="1" i="1" dirty="0">
+                <a:solidFill>
+                  <a:srgbClr val="FFC000"/>
+                </a:solidFill>
+              </a:rPr>
+              <a:t>object</a:t>
+            </a:r>
+            <a:r>
+              <a:rPr lang="en-US" sz="1900" b="1" i="1" dirty="0"/>
+              <a:t> OneInstance[</a:t>
+            </a:r>
+            <a:r>
+              <a:rPr lang="en-US" sz="1900" b="1" i="1" dirty="0">
+                <a:solidFill>
+                  <a:schemeClr val="tx2">
+                    <a:lumMod val="50000"/>
+                  </a:schemeClr>
+                </a:solidFill>
+              </a:rPr>
+              <a:t>A</a:t>
+            </a:r>
+            <a:r>
+              <a:rPr lang="en-US" sz="1900" b="1" i="1" dirty="0"/>
+              <a:t>] </a:t>
+            </a:r>
+            <a:r>
+              <a:rPr lang="en-US" sz="3000" b="1" i="1" dirty="0">
+                <a:solidFill>
+                  <a:srgbClr val="FF0000"/>
+                </a:solidFill>
+              </a:rPr>
+              <a:t>×</a:t>
+            </a:r>
+            <a:r>
+              <a:rPr lang="en-US" sz="1900" b="1" i="1" dirty="0"/>
+              <a:t>  { </a:t>
+            </a:r>
+            <a:r>
+              <a:rPr lang="en-US" sz="1900" b="1" i="1" dirty="0">
+                <a:solidFill>
+                  <a:schemeClr val="tx2">
+                    <a:lumMod val="60000"/>
+                    <a:lumOff val="40000"/>
+                  </a:schemeClr>
+                </a:solidFill>
+              </a:rPr>
+              <a:t>val</a:t>
+            </a:r>
+            <a:r>
+              <a:rPr lang="en-US" sz="1900" b="1" i="1" dirty="0"/>
+              <a:t> value: </a:t>
+            </a:r>
+            <a:r>
+              <a:rPr lang="en-US" sz="1900" b="1" i="1" dirty="0">
+                <a:solidFill>
+                  <a:schemeClr val="accent1"/>
+                </a:solidFill>
+              </a:rPr>
+              <a:t>Int</a:t>
+            </a:r>
+            <a:r>
+              <a:rPr lang="en-US" sz="1900" b="1" i="1" dirty="0"/>
+              <a:t> = </a:t>
+            </a:r>
+            <a:r>
+              <a:rPr lang="en-US" sz="1900" b="1" i="1" dirty="0">
+                <a:solidFill>
+                  <a:schemeClr val="accent5">
+                    <a:lumMod val="50000"/>
+                  </a:schemeClr>
+                </a:solidFill>
+              </a:rPr>
+              <a:t>3</a:t>
+            </a:r>
+            <a:r>
+              <a:rPr lang="en-US" sz="1900" b="1" i="1" dirty="0"/>
+              <a:t> }</a:t>
+            </a:r>
+          </a:p>
+          <a:p>
+            <a:pPr marL="274320" lvl="1" indent="0">
+              <a:buNone/>
+            </a:pPr>
+            <a:endParaRPr lang="en-US" sz="1800" b="1" i="1" dirty="0"/>
+          </a:p>
+          <a:p>
+            <a:endParaRPr lang="en-US" i="1" dirty="0"/>
+          </a:p>
+          <a:p>
+            <a:endParaRPr lang="en-US" i="1" dirty="0"/>
+          </a:p>
+          <a:p>
+            <a:endParaRPr lang="en-US" i="1" dirty="0"/>
+          </a:p>
+          <a:p>
+            <a:endParaRPr lang="en-US" b="1" dirty="0"/>
+          </a:p>
+        </p:txBody>
+      </p:sp>
+      <p:sp>
+        <p:nvSpPr>
+          <p:cNvPr id="4" name="TextBox 3">
+            <a:extLst>
+              <a:ext uri="{FF2B5EF4-FFF2-40B4-BE49-F238E27FC236}">
+                <a16:creationId xmlns:a16="http://schemas.microsoft.com/office/drawing/2014/main" id="{27E4DBF3-DB7E-4083-9C7C-064A542EEFBC}"/>
+              </a:ext>
+            </a:extLst>
+          </p:cNvPr>
+          <p:cNvSpPr txBox="1"/>
+          <p:nvPr/>
+        </p:nvSpPr>
+        <p:spPr>
+          <a:xfrm>
+            <a:off x="1066800" y="2139193"/>
+            <a:ext cx="8420895" cy="1200329"/>
+          </a:xfrm>
+          <a:prstGeom prst="rect">
+            <a:avLst/>
+          </a:prstGeom>
+          <a:noFill/>
+        </p:spPr>
+        <p:txBody>
+          <a:bodyPr wrap="none" rtlCol="0">
+            <a:spAutoFit/>
+          </a:bodyPr>
+          <a:lstStyle/>
+          <a:p>
+            <a:pPr marL="285750" indent="-285750">
+              <a:buFont typeface="Arial" panose="020B0604020202020204" pitchFamily="34" charset="0"/>
+              <a:buChar char="•"/>
+            </a:pPr>
+            <a:r>
+              <a:rPr lang="en-GB" dirty="0"/>
+              <a:t>A Scala companion object is an object with the same name as a class.</a:t>
+            </a:r>
+          </a:p>
+          <a:p>
+            <a:pPr marL="285750" indent="-285750">
+              <a:buFont typeface="Arial" panose="020B0604020202020204" pitchFamily="34" charset="0"/>
+              <a:buChar char="•"/>
+            </a:pPr>
+            <a:r>
+              <a:rPr lang="en-GB" dirty="0"/>
+              <a:t>Static Functions</a:t>
+            </a:r>
+          </a:p>
+          <a:p>
+            <a:pPr marL="285750" indent="-285750">
+              <a:buFont typeface="Arial" panose="020B0604020202020204" pitchFamily="34" charset="0"/>
+              <a:buChar char="•"/>
+            </a:pPr>
+            <a:r>
+              <a:rPr lang="en-GB" dirty="0"/>
+              <a:t>Smart Constructor will be placed.</a:t>
+            </a:r>
+          </a:p>
+          <a:p>
+            <a:pPr marL="285750" indent="-285750">
+              <a:buFont typeface="Arial" panose="020B0604020202020204" pitchFamily="34" charset="0"/>
+              <a:buChar char="•"/>
+            </a:pPr>
+            <a:r>
+              <a:rPr lang="en-GB" dirty="0"/>
+              <a:t>Importing Ability</a:t>
+            </a:r>
+            <a:endParaRPr lang="en-US" dirty="0"/>
+          </a:p>
+        </p:txBody>
+      </p:sp>
+      <p:sp>
+        <p:nvSpPr>
+          <p:cNvPr id="5" name="TextBox 4">
+            <a:extLst>
+              <a:ext uri="{FF2B5EF4-FFF2-40B4-BE49-F238E27FC236}">
+                <a16:creationId xmlns:a16="http://schemas.microsoft.com/office/drawing/2014/main" id="{42994F05-EFA5-4990-AF42-233ACBAC9AA6}"/>
+              </a:ext>
+            </a:extLst>
+          </p:cNvPr>
+          <p:cNvSpPr txBox="1"/>
+          <p:nvPr/>
+        </p:nvSpPr>
+        <p:spPr>
+          <a:xfrm>
+            <a:off x="899022" y="3518479"/>
+            <a:ext cx="4738380" cy="1384995"/>
+          </a:xfrm>
+          <a:prstGeom prst="rect">
+            <a:avLst/>
+          </a:prstGeom>
+          <a:solidFill>
+            <a:schemeClr val="bg1"/>
+          </a:solidFill>
+        </p:spPr>
+        <p:txBody>
+          <a:bodyPr wrap="square" rtlCol="0">
+            <a:spAutoFit/>
+          </a:bodyPr>
+          <a:lstStyle/>
+          <a:p>
+            <a:r>
+              <a:rPr lang="en-US" sz="1400" dirty="0">
+                <a:solidFill>
+                  <a:srgbClr val="FF0000"/>
+                </a:solidFill>
+              </a:rPr>
+              <a:t>case</a:t>
+            </a:r>
+            <a:r>
+              <a:rPr lang="en-US" sz="1400" dirty="0"/>
+              <a:t> </a:t>
+            </a:r>
+            <a:r>
+              <a:rPr lang="en-US" sz="1400" dirty="0">
+                <a:solidFill>
+                  <a:srgbClr val="FFC000"/>
+                </a:solidFill>
+              </a:rPr>
+              <a:t>class</a:t>
+            </a:r>
+            <a:r>
+              <a:rPr lang="en-US" sz="1400" dirty="0"/>
+              <a:t> Email(email: </a:t>
+            </a:r>
+            <a:r>
+              <a:rPr lang="en-US" sz="1400" dirty="0">
+                <a:solidFill>
+                  <a:schemeClr val="accent1">
+                    <a:lumMod val="75000"/>
+                  </a:schemeClr>
+                </a:solidFill>
+              </a:rPr>
+              <a:t>String</a:t>
+            </a:r>
+            <a:r>
+              <a:rPr lang="en-US" sz="1400" dirty="0"/>
+              <a:t>)</a:t>
+            </a:r>
+          </a:p>
+          <a:p>
+            <a:endParaRPr lang="en-US" sz="1400" dirty="0"/>
+          </a:p>
+          <a:p>
+            <a:r>
+              <a:rPr lang="en-US" sz="1400" dirty="0">
+                <a:solidFill>
+                  <a:srgbClr val="FFC000"/>
+                </a:solidFill>
+              </a:rPr>
+              <a:t>object</a:t>
+            </a:r>
+            <a:r>
+              <a:rPr lang="en-US" sz="1400" dirty="0"/>
+              <a:t> Email {</a:t>
+            </a:r>
+          </a:p>
+          <a:p>
+            <a:r>
+              <a:rPr lang="en-US" sz="1400" dirty="0"/>
+              <a:t>     </a:t>
+            </a:r>
+            <a:r>
+              <a:rPr lang="en-US" sz="1400" dirty="0">
+                <a:solidFill>
+                  <a:srgbClr val="0070C0"/>
+                </a:solidFill>
+              </a:rPr>
+              <a:t>def</a:t>
+            </a:r>
+            <a:r>
+              <a:rPr lang="en-US" sz="1400" dirty="0"/>
+              <a:t> apply(email: </a:t>
+            </a:r>
+            <a:r>
+              <a:rPr lang="en-US" sz="1400" dirty="0">
+                <a:solidFill>
+                  <a:schemeClr val="accent1"/>
+                </a:solidFill>
+              </a:rPr>
+              <a:t>String</a:t>
+            </a:r>
+            <a:r>
+              <a:rPr lang="en-US" sz="1400" dirty="0"/>
+              <a:t>): Option[Email] = 	if(name.isEmpty) None else Some(Email)</a:t>
+            </a:r>
+          </a:p>
+          <a:p>
+            <a:r>
+              <a:rPr lang="en-US" sz="1400" dirty="0"/>
+              <a:t>}</a:t>
+            </a:r>
+          </a:p>
+        </p:txBody>
+      </p:sp>
+      <p:sp>
+        <p:nvSpPr>
+          <p:cNvPr id="7" name="TextBox 6">
+            <a:extLst>
+              <a:ext uri="{FF2B5EF4-FFF2-40B4-BE49-F238E27FC236}">
+                <a16:creationId xmlns:a16="http://schemas.microsoft.com/office/drawing/2014/main" id="{27428692-1B43-42C5-8049-3E58D388A54A}"/>
+              </a:ext>
+            </a:extLst>
+          </p:cNvPr>
+          <p:cNvSpPr txBox="1"/>
+          <p:nvPr/>
+        </p:nvSpPr>
+        <p:spPr>
+          <a:xfrm>
+            <a:off x="6554600" y="3518479"/>
+            <a:ext cx="4815280" cy="1384995"/>
+          </a:xfrm>
+          <a:prstGeom prst="rect">
+            <a:avLst/>
+          </a:prstGeom>
+          <a:solidFill>
+            <a:schemeClr val="bg1"/>
+          </a:solidFill>
+        </p:spPr>
+        <p:txBody>
+          <a:bodyPr wrap="square" rtlCol="0">
+            <a:spAutoFit/>
+          </a:bodyPr>
+          <a:lstStyle/>
+          <a:p>
+            <a:r>
+              <a:rPr lang="en-US" sz="1400" dirty="0">
+                <a:solidFill>
+                  <a:schemeClr val="accent2"/>
+                </a:solidFill>
+              </a:rPr>
+              <a:t>sealed</a:t>
+            </a:r>
+            <a:r>
+              <a:rPr lang="en-US" sz="1400" dirty="0"/>
+              <a:t> </a:t>
+            </a:r>
+            <a:r>
+              <a:rPr lang="en-US" sz="1400" dirty="0">
+                <a:solidFill>
+                  <a:srgbClr val="FFC000"/>
+                </a:solidFill>
+              </a:rPr>
+              <a:t>trait</a:t>
+            </a:r>
+            <a:r>
+              <a:rPr lang="en-US" sz="1400" dirty="0"/>
+              <a:t> Bool </a:t>
+            </a:r>
+          </a:p>
+          <a:p>
+            <a:endParaRPr lang="en-US" sz="1400" dirty="0"/>
+          </a:p>
+          <a:p>
+            <a:r>
+              <a:rPr lang="en-US" sz="1400" dirty="0">
+                <a:solidFill>
+                  <a:srgbClr val="FFC000"/>
+                </a:solidFill>
+              </a:rPr>
+              <a:t>object</a:t>
+            </a:r>
+            <a:r>
+              <a:rPr lang="en-US" sz="1400" dirty="0"/>
+              <a:t> Bool {</a:t>
+            </a:r>
+          </a:p>
+          <a:p>
+            <a:r>
+              <a:rPr lang="en-US" sz="1400" dirty="0"/>
+              <a:t>	</a:t>
+            </a:r>
+            <a:r>
+              <a:rPr lang="en-US" sz="1400" dirty="0">
+                <a:solidFill>
+                  <a:schemeClr val="accent2"/>
+                </a:solidFill>
+              </a:rPr>
+              <a:t>case</a:t>
+            </a:r>
+            <a:r>
+              <a:rPr lang="en-US" sz="1400" dirty="0"/>
+              <a:t> </a:t>
+            </a:r>
+            <a:r>
+              <a:rPr lang="en-US" sz="1400" dirty="0">
+                <a:solidFill>
+                  <a:srgbClr val="FFC000"/>
+                </a:solidFill>
+              </a:rPr>
+              <a:t>object</a:t>
+            </a:r>
+            <a:r>
+              <a:rPr lang="en-US" sz="1400" dirty="0"/>
+              <a:t> </a:t>
+            </a:r>
+            <a:r>
+              <a:rPr lang="en-US" sz="1400" dirty="0">
+                <a:solidFill>
+                  <a:schemeClr val="accent1"/>
+                </a:solidFill>
+              </a:rPr>
+              <a:t>True</a:t>
+            </a:r>
+            <a:r>
+              <a:rPr lang="en-US" sz="1400" dirty="0"/>
+              <a:t> extends Bool</a:t>
+            </a:r>
+          </a:p>
+          <a:p>
+            <a:r>
+              <a:rPr lang="en-US" sz="1400" dirty="0"/>
+              <a:t>	</a:t>
+            </a:r>
+            <a:r>
+              <a:rPr lang="en-US" sz="1400" dirty="0">
+                <a:solidFill>
+                  <a:schemeClr val="accent2"/>
+                </a:solidFill>
+              </a:rPr>
+              <a:t>case</a:t>
+            </a:r>
+            <a:r>
+              <a:rPr lang="en-US" sz="1400" dirty="0"/>
+              <a:t> </a:t>
+            </a:r>
+            <a:r>
+              <a:rPr lang="en-US" sz="1400" dirty="0">
+                <a:solidFill>
+                  <a:srgbClr val="FFC000"/>
+                </a:solidFill>
+              </a:rPr>
+              <a:t>class</a:t>
+            </a:r>
+            <a:r>
+              <a:rPr lang="en-US" sz="1400" dirty="0"/>
+              <a:t> </a:t>
+            </a:r>
+            <a:r>
+              <a:rPr lang="en-US" sz="1400" dirty="0" err="1">
+                <a:solidFill>
+                  <a:schemeClr val="accent1"/>
+                </a:solidFill>
+              </a:rPr>
+              <a:t>Flase</a:t>
+            </a:r>
+            <a:r>
+              <a:rPr lang="en-US" sz="1400" dirty="0"/>
+              <a:t> extends Bool</a:t>
+            </a:r>
+          </a:p>
+          <a:p>
+            <a:r>
+              <a:rPr lang="en-US" sz="1400" dirty="0"/>
+              <a:t>}</a:t>
+            </a:r>
+          </a:p>
+        </p:txBody>
+      </p:sp>
+    </p:spTree>
+    <p:extLst>
+      <p:ext uri="{BB962C8B-B14F-4D97-AF65-F5344CB8AC3E}">
+        <p14:creationId xmlns:p14="http://schemas.microsoft.com/office/powerpoint/2010/main" val="2753477927"/>
+      </p:ext>
+    </p:extLst>
+  </p:cSld>
+  <p:clrMapOvr>
+    <a:masterClrMapping/>
+  </p:clrMapOvr>
+</p:sld>
+</file>
+
+<file path=ppt/slides/slide8.xml><?xml version="1.0" encoding="utf-8"?>
 <p:sld xmlns:a="http://schemas.openxmlformats.org/drawingml/2006/main" xmlns:r="http://schemas.openxmlformats.org/officeDocument/2006/relationships" xmlns:p="http://schemas.openxmlformats.org/presentationml/2006/main">
   <p:cSld>
     <p:bg>
@@ -8988,7 +10249,11 @@
                   </a:schemeClr>
                 </a:solidFill>
               </a:rPr>
-              <a:t> trait</a:t>
+              <a:t> trait </a:t>
+            </a:r>
+            <a:r>
+              <a:rPr lang="en-GB" sz="2800" b="1" dirty="0"/>
+              <a:t>TypeClass</a:t>
             </a:r>
             <a:r>
               <a:rPr lang="en-GB" sz="2800" dirty="0"/>
@@ -9075,7 +10340,7 @@
 </p:sld>
 </file>
 
-<file path=ppt/slides/slide7.xml><?xml version="1.0" encoding="utf-8"?>
+<file path=ppt/slides/slide9.xml><?xml version="1.0" encoding="utf-8"?>
 <p:sld xmlns:a="http://schemas.openxmlformats.org/drawingml/2006/main" xmlns:r="http://schemas.openxmlformats.org/officeDocument/2006/relationships" xmlns:p="http://schemas.openxmlformats.org/presentationml/2006/main">
   <p:cSld>
     <p:spTree>
